--- a/Diseño en power point Ejemplos.pptx
+++ b/Diseño en power point Ejemplos.pptx
@@ -7,6 +7,7 @@
   <p:sldIdLst>
     <p:sldId id="256" r:id="rId2"/>
     <p:sldId id="257" r:id="rId3"/>
+    <p:sldId id="258" r:id="rId4"/>
   </p:sldIdLst>
   <p:sldSz cx="12192000" cy="6858000"/>
   <p:notesSz cx="6858000" cy="9144000"/>
@@ -105,6 +106,11 @@
       </a:defRPr>
     </a:lvl9pPr>
   </p:defaultTextStyle>
+  <p:extLst>
+    <p:ext uri="{EFAFB233-063F-42B5-8137-9DF3F51BA10A}">
+      <p15:sldGuideLst xmlns:p15="http://schemas.microsoft.com/office/powerpoint/2012/main"/>
+    </p:ext>
+  </p:extLst>
 </p:presentation>
 </file>
 
@@ -239,7 +245,7 @@
           <a:p>
             <a:fld id="{20F07CA2-1BB8-4679-9DF4-FA380D5FB756}" type="datetimeFigureOut">
               <a:rPr lang="es-MX" smtClean="0"/>
-              <a:t>20/04/2022</a:t>
+              <a:t>03/05/2022</a:t>
             </a:fld>
             <a:endParaRPr lang="es-MX"/>
           </a:p>
@@ -409,7 +415,7 @@
           <a:p>
             <a:fld id="{20F07CA2-1BB8-4679-9DF4-FA380D5FB756}" type="datetimeFigureOut">
               <a:rPr lang="es-MX" smtClean="0"/>
-              <a:t>20/04/2022</a:t>
+              <a:t>03/05/2022</a:t>
             </a:fld>
             <a:endParaRPr lang="es-MX"/>
           </a:p>
@@ -589,7 +595,7 @@
           <a:p>
             <a:fld id="{20F07CA2-1BB8-4679-9DF4-FA380D5FB756}" type="datetimeFigureOut">
               <a:rPr lang="es-MX" smtClean="0"/>
-              <a:t>20/04/2022</a:t>
+              <a:t>03/05/2022</a:t>
             </a:fld>
             <a:endParaRPr lang="es-MX"/>
           </a:p>
@@ -759,7 +765,7 @@
           <a:p>
             <a:fld id="{20F07CA2-1BB8-4679-9DF4-FA380D5FB756}" type="datetimeFigureOut">
               <a:rPr lang="es-MX" smtClean="0"/>
-              <a:t>20/04/2022</a:t>
+              <a:t>03/05/2022</a:t>
             </a:fld>
             <a:endParaRPr lang="es-MX"/>
           </a:p>
@@ -1005,7 +1011,7 @@
           <a:p>
             <a:fld id="{20F07CA2-1BB8-4679-9DF4-FA380D5FB756}" type="datetimeFigureOut">
               <a:rPr lang="es-MX" smtClean="0"/>
-              <a:t>20/04/2022</a:t>
+              <a:t>03/05/2022</a:t>
             </a:fld>
             <a:endParaRPr lang="es-MX"/>
           </a:p>
@@ -1237,7 +1243,7 @@
           <a:p>
             <a:fld id="{20F07CA2-1BB8-4679-9DF4-FA380D5FB756}" type="datetimeFigureOut">
               <a:rPr lang="es-MX" smtClean="0"/>
-              <a:t>20/04/2022</a:t>
+              <a:t>03/05/2022</a:t>
             </a:fld>
             <a:endParaRPr lang="es-MX"/>
           </a:p>
@@ -1604,7 +1610,7 @@
           <a:p>
             <a:fld id="{20F07CA2-1BB8-4679-9DF4-FA380D5FB756}" type="datetimeFigureOut">
               <a:rPr lang="es-MX" smtClean="0"/>
-              <a:t>20/04/2022</a:t>
+              <a:t>03/05/2022</a:t>
             </a:fld>
             <a:endParaRPr lang="es-MX"/>
           </a:p>
@@ -1722,7 +1728,7 @@
           <a:p>
             <a:fld id="{20F07CA2-1BB8-4679-9DF4-FA380D5FB756}" type="datetimeFigureOut">
               <a:rPr lang="es-MX" smtClean="0"/>
-              <a:t>20/04/2022</a:t>
+              <a:t>03/05/2022</a:t>
             </a:fld>
             <a:endParaRPr lang="es-MX"/>
           </a:p>
@@ -1817,7 +1823,7 @@
           <a:p>
             <a:fld id="{20F07CA2-1BB8-4679-9DF4-FA380D5FB756}" type="datetimeFigureOut">
               <a:rPr lang="es-MX" smtClean="0"/>
-              <a:t>20/04/2022</a:t>
+              <a:t>03/05/2022</a:t>
             </a:fld>
             <a:endParaRPr lang="es-MX"/>
           </a:p>
@@ -2094,7 +2100,7 @@
           <a:p>
             <a:fld id="{20F07CA2-1BB8-4679-9DF4-FA380D5FB756}" type="datetimeFigureOut">
               <a:rPr lang="es-MX" smtClean="0"/>
-              <a:t>20/04/2022</a:t>
+              <a:t>03/05/2022</a:t>
             </a:fld>
             <a:endParaRPr lang="es-MX"/>
           </a:p>
@@ -2347,7 +2353,7 @@
           <a:p>
             <a:fld id="{20F07CA2-1BB8-4679-9DF4-FA380D5FB756}" type="datetimeFigureOut">
               <a:rPr lang="es-MX" smtClean="0"/>
-              <a:t>20/04/2022</a:t>
+              <a:t>03/05/2022</a:t>
             </a:fld>
             <a:endParaRPr lang="es-MX"/>
           </a:p>
@@ -2560,7 +2566,7 @@
           <a:p>
             <a:fld id="{20F07CA2-1BB8-4679-9DF4-FA380D5FB756}" type="datetimeFigureOut">
               <a:rPr lang="es-MX" smtClean="0"/>
-              <a:t>20/04/2022</a:t>
+              <a:t>03/05/2022</a:t>
             </a:fld>
             <a:endParaRPr lang="es-MX"/>
           </a:p>
@@ -4202,6 +4208,489 @@
 </p:sld>
 </file>
 
+<file path=ppt/slides/slide3.xml><?xml version="1.0" encoding="utf-8"?>
+<p:sld xmlns:a="http://schemas.openxmlformats.org/drawingml/2006/main" xmlns:r="http://schemas.openxmlformats.org/officeDocument/2006/relationships" xmlns:p="http://schemas.openxmlformats.org/presentationml/2006/main">
+  <p:cSld>
+    <p:spTree>
+      <p:nvGrpSpPr>
+        <p:cNvPr id="1" name=""/>
+        <p:cNvGrpSpPr/>
+        <p:nvPr/>
+      </p:nvGrpSpPr>
+      <p:grpSpPr>
+        <a:xfrm>
+          <a:off x="0" y="0"/>
+          <a:ext cx="0" cy="0"/>
+          <a:chOff x="0" y="0"/>
+          <a:chExt cx="0" cy="0"/>
+        </a:xfrm>
+      </p:grpSpPr>
+      <p:sp>
+        <p:nvSpPr>
+          <p:cNvPr id="33" name="Rectángulo 32"/>
+          <p:cNvSpPr/>
+          <p:nvPr/>
+        </p:nvSpPr>
+        <p:spPr>
+          <a:xfrm>
+            <a:off x="2301765" y="42042"/>
+            <a:ext cx="6926317" cy="6773917"/>
+          </a:xfrm>
+          <a:prstGeom prst="rect">
+            <a:avLst/>
+          </a:prstGeom>
+          <a:solidFill>
+            <a:schemeClr val="bg1">
+              <a:lumMod val="95000"/>
+            </a:schemeClr>
+          </a:solidFill>
+          <a:ln>
+            <a:solidFill>
+              <a:schemeClr val="bg1">
+                <a:lumMod val="65000"/>
+              </a:schemeClr>
+            </a:solidFill>
+          </a:ln>
+        </p:spPr>
+        <p:style>
+          <a:lnRef idx="2">
+            <a:schemeClr val="accent1">
+              <a:shade val="50000"/>
+            </a:schemeClr>
+          </a:lnRef>
+          <a:fillRef idx="1">
+            <a:schemeClr val="accent1"/>
+          </a:fillRef>
+          <a:effectRef idx="0">
+            <a:schemeClr val="accent1"/>
+          </a:effectRef>
+          <a:fontRef idx="minor">
+            <a:schemeClr val="lt1"/>
+          </a:fontRef>
+        </p:style>
+        <p:txBody>
+          <a:bodyPr rtlCol="0" anchor="ctr"/>
+          <a:lstStyle/>
+          <a:p>
+            <a:pPr algn="ctr"/>
+            <a:endParaRPr lang="es-MX"/>
+          </a:p>
+        </p:txBody>
+      </p:sp>
+      <p:sp>
+        <p:nvSpPr>
+          <p:cNvPr id="20" name="Rectángulo 19"/>
+          <p:cNvSpPr/>
+          <p:nvPr/>
+        </p:nvSpPr>
+        <p:spPr>
+          <a:xfrm>
+            <a:off x="4020359" y="5428621"/>
+            <a:ext cx="3194833" cy="1345327"/>
+          </a:xfrm>
+          <a:prstGeom prst="rect">
+            <a:avLst/>
+          </a:prstGeom>
+          <a:solidFill>
+            <a:schemeClr val="bg1">
+              <a:lumMod val="85000"/>
+            </a:schemeClr>
+          </a:solidFill>
+          <a:ln>
+            <a:noFill/>
+          </a:ln>
+        </p:spPr>
+        <p:style>
+          <a:lnRef idx="2">
+            <a:schemeClr val="accent1">
+              <a:shade val="50000"/>
+            </a:schemeClr>
+          </a:lnRef>
+          <a:fillRef idx="1">
+            <a:schemeClr val="accent1"/>
+          </a:fillRef>
+          <a:effectRef idx="0">
+            <a:schemeClr val="accent1"/>
+          </a:effectRef>
+          <a:fontRef idx="minor">
+            <a:schemeClr val="lt1"/>
+          </a:fontRef>
+        </p:style>
+        <p:txBody>
+          <a:bodyPr rtlCol="0" anchor="ctr"/>
+          <a:lstStyle/>
+          <a:p>
+            <a:pPr algn="ctr"/>
+            <a:endParaRPr lang="es-MX"/>
+          </a:p>
+        </p:txBody>
+      </p:sp>
+      <p:sp>
+        <p:nvSpPr>
+          <p:cNvPr id="21" name="CuadroTexto 20"/>
+          <p:cNvSpPr txBox="1"/>
+          <p:nvPr/>
+        </p:nvSpPr>
+        <p:spPr>
+          <a:xfrm>
+            <a:off x="4020360" y="173311"/>
+            <a:ext cx="2082058" cy="307777"/>
+          </a:xfrm>
+          <a:prstGeom prst="rect">
+            <a:avLst/>
+          </a:prstGeom>
+          <a:noFill/>
+        </p:spPr>
+        <p:txBody>
+          <a:bodyPr wrap="square" rtlCol="0">
+            <a:spAutoFit/>
+          </a:bodyPr>
+          <a:lstStyle/>
+          <a:p>
+            <a:r>
+              <a:rPr lang="es-MX" sz="1400" b="1" dirty="0"/>
+              <a:t>Tipo de partida</a:t>
+            </a:r>
+            <a:r>
+              <a:rPr lang="es-MX" sz="1400" b="1" dirty="0" smtClean="0"/>
+              <a:t>:</a:t>
+            </a:r>
+            <a:endParaRPr lang="es-MX" sz="1400" b="1" dirty="0"/>
+          </a:p>
+        </p:txBody>
+      </p:sp>
+      <p:sp>
+        <p:nvSpPr>
+          <p:cNvPr id="22" name="CuadroTexto 21"/>
+          <p:cNvSpPr txBox="1"/>
+          <p:nvPr/>
+        </p:nvSpPr>
+        <p:spPr>
+          <a:xfrm>
+            <a:off x="4020360" y="1929375"/>
+            <a:ext cx="2323788" cy="307777"/>
+          </a:xfrm>
+          <a:prstGeom prst="rect">
+            <a:avLst/>
+          </a:prstGeom>
+          <a:noFill/>
+        </p:spPr>
+        <p:txBody>
+          <a:bodyPr wrap="square" rtlCol="0">
+            <a:spAutoFit/>
+          </a:bodyPr>
+          <a:lstStyle/>
+          <a:p>
+            <a:r>
+              <a:rPr lang="es-MX" sz="1400" b="1" dirty="0"/>
+              <a:t>Proveedor:</a:t>
+            </a:r>
+          </a:p>
+        </p:txBody>
+      </p:sp>
+      <p:sp>
+        <p:nvSpPr>
+          <p:cNvPr id="23" name="CuadroTexto 22"/>
+          <p:cNvSpPr txBox="1"/>
+          <p:nvPr/>
+        </p:nvSpPr>
+        <p:spPr>
+          <a:xfrm>
+            <a:off x="4020359" y="1051343"/>
+            <a:ext cx="3584886" cy="307777"/>
+          </a:xfrm>
+          <a:prstGeom prst="rect">
+            <a:avLst/>
+          </a:prstGeom>
+          <a:noFill/>
+        </p:spPr>
+        <p:txBody>
+          <a:bodyPr wrap="square" rtlCol="0">
+            <a:spAutoFit/>
+          </a:bodyPr>
+          <a:lstStyle/>
+          <a:p>
+            <a:r>
+              <a:rPr lang="es-MX" sz="1400" b="1" dirty="0"/>
+              <a:t>Descripción completa del articulo o servicio:</a:t>
+            </a:r>
+          </a:p>
+        </p:txBody>
+      </p:sp>
+      <p:sp>
+        <p:nvSpPr>
+          <p:cNvPr id="24" name="CuadroTexto 23"/>
+          <p:cNvSpPr txBox="1"/>
+          <p:nvPr/>
+        </p:nvSpPr>
+        <p:spPr>
+          <a:xfrm>
+            <a:off x="4020360" y="2807407"/>
+            <a:ext cx="2082058" cy="307777"/>
+          </a:xfrm>
+          <a:prstGeom prst="rect">
+            <a:avLst/>
+          </a:prstGeom>
+          <a:noFill/>
+        </p:spPr>
+        <p:txBody>
+          <a:bodyPr wrap="square" rtlCol="0">
+            <a:spAutoFit/>
+          </a:bodyPr>
+          <a:lstStyle/>
+          <a:p>
+            <a:r>
+              <a:rPr lang="es-MX" sz="1400" b="1" dirty="0"/>
+              <a:t>Costo actual:</a:t>
+            </a:r>
+          </a:p>
+        </p:txBody>
+      </p:sp>
+      <p:sp>
+        <p:nvSpPr>
+          <p:cNvPr id="25" name="CuadroTexto 24"/>
+          <p:cNvSpPr txBox="1"/>
+          <p:nvPr/>
+        </p:nvSpPr>
+        <p:spPr>
+          <a:xfrm>
+            <a:off x="4020360" y="3685439"/>
+            <a:ext cx="1602092" cy="307777"/>
+          </a:xfrm>
+          <a:prstGeom prst="rect">
+            <a:avLst/>
+          </a:prstGeom>
+          <a:noFill/>
+        </p:spPr>
+        <p:txBody>
+          <a:bodyPr wrap="square" rtlCol="0">
+            <a:spAutoFit/>
+          </a:bodyPr>
+          <a:lstStyle/>
+          <a:p>
+            <a:r>
+              <a:rPr lang="es-MX" sz="1400" b="1" dirty="0"/>
+              <a:t>Justificación:</a:t>
+            </a:r>
+          </a:p>
+        </p:txBody>
+      </p:sp>
+      <p:sp>
+        <p:nvSpPr>
+          <p:cNvPr id="26" name="CuadroTexto 25"/>
+          <p:cNvSpPr txBox="1"/>
+          <p:nvPr/>
+        </p:nvSpPr>
+        <p:spPr>
+          <a:xfrm>
+            <a:off x="4020360" y="4563471"/>
+            <a:ext cx="2298566" cy="307777"/>
+          </a:xfrm>
+          <a:prstGeom prst="rect">
+            <a:avLst/>
+          </a:prstGeom>
+          <a:noFill/>
+        </p:spPr>
+        <p:txBody>
+          <a:bodyPr wrap="square" rtlCol="0">
+            <a:spAutoFit/>
+          </a:bodyPr>
+          <a:lstStyle/>
+          <a:p>
+            <a:r>
+              <a:rPr lang="es-MX" sz="1400" b="1" dirty="0"/>
+              <a:t>Archivos de cotización:</a:t>
+            </a:r>
+          </a:p>
+        </p:txBody>
+      </p:sp>
+      <p:sp>
+        <p:nvSpPr>
+          <p:cNvPr id="27" name="CuadroTexto 26"/>
+          <p:cNvSpPr txBox="1"/>
+          <p:nvPr/>
+        </p:nvSpPr>
+        <p:spPr>
+          <a:xfrm>
+            <a:off x="4020359" y="627716"/>
+            <a:ext cx="3589131" cy="276999"/>
+          </a:xfrm>
+          <a:prstGeom prst="rect">
+            <a:avLst/>
+          </a:prstGeom>
+          <a:noFill/>
+        </p:spPr>
+        <p:txBody>
+          <a:bodyPr wrap="square" rtlCol="0">
+            <a:spAutoFit/>
+          </a:bodyPr>
+          <a:lstStyle/>
+          <a:p>
+            <a:r>
+              <a:rPr lang="es-MX" sz="1200" i="1" dirty="0"/>
+              <a:t>Compra general</a:t>
+            </a:r>
+          </a:p>
+        </p:txBody>
+      </p:sp>
+      <p:sp>
+        <p:nvSpPr>
+          <p:cNvPr id="28" name="CuadroTexto 27"/>
+          <p:cNvSpPr txBox="1"/>
+          <p:nvPr/>
+        </p:nvSpPr>
+        <p:spPr>
+          <a:xfrm>
+            <a:off x="4020360" y="2383780"/>
+            <a:ext cx="3336881" cy="276999"/>
+          </a:xfrm>
+          <a:prstGeom prst="rect">
+            <a:avLst/>
+          </a:prstGeom>
+          <a:noFill/>
+        </p:spPr>
+        <p:txBody>
+          <a:bodyPr wrap="square" rtlCol="0">
+            <a:spAutoFit/>
+          </a:bodyPr>
+          <a:lstStyle/>
+          <a:p>
+            <a:r>
+              <a:rPr lang="es-MX" sz="1200" i="1" dirty="0"/>
+              <a:t>Mosa solución integral en multifuncional en red</a:t>
+            </a:r>
+          </a:p>
+        </p:txBody>
+      </p:sp>
+      <p:sp>
+        <p:nvSpPr>
+          <p:cNvPr id="29" name="CuadroTexto 28"/>
+          <p:cNvSpPr txBox="1"/>
+          <p:nvPr/>
+        </p:nvSpPr>
+        <p:spPr>
+          <a:xfrm>
+            <a:off x="4020359" y="1505748"/>
+            <a:ext cx="2298567" cy="276999"/>
+          </a:xfrm>
+          <a:prstGeom prst="rect">
+            <a:avLst/>
+          </a:prstGeom>
+          <a:noFill/>
+        </p:spPr>
+        <p:txBody>
+          <a:bodyPr wrap="square" rtlCol="0">
+            <a:spAutoFit/>
+          </a:bodyPr>
+          <a:lstStyle/>
+          <a:p>
+            <a:r>
+              <a:rPr lang="es-MX" sz="1200" i="1" dirty="0"/>
+              <a:t>Impresora SHARP 266</a:t>
+            </a:r>
+          </a:p>
+        </p:txBody>
+      </p:sp>
+      <p:sp>
+        <p:nvSpPr>
+          <p:cNvPr id="30" name="CuadroTexto 29"/>
+          <p:cNvSpPr txBox="1"/>
+          <p:nvPr/>
+        </p:nvSpPr>
+        <p:spPr>
+          <a:xfrm>
+            <a:off x="4020359" y="3261812"/>
+            <a:ext cx="1483475" cy="276999"/>
+          </a:xfrm>
+          <a:prstGeom prst="rect">
+            <a:avLst/>
+          </a:prstGeom>
+          <a:noFill/>
+        </p:spPr>
+        <p:txBody>
+          <a:bodyPr wrap="square" rtlCol="0">
+            <a:spAutoFit/>
+          </a:bodyPr>
+          <a:lstStyle/>
+          <a:p>
+            <a:r>
+              <a:rPr lang="es-MX" sz="1200" i="1" dirty="0"/>
+              <a:t>$40,000</a:t>
+            </a:r>
+          </a:p>
+        </p:txBody>
+      </p:sp>
+      <p:sp>
+        <p:nvSpPr>
+          <p:cNvPr id="31" name="CuadroTexto 30"/>
+          <p:cNvSpPr txBox="1"/>
+          <p:nvPr/>
+        </p:nvSpPr>
+        <p:spPr>
+          <a:xfrm>
+            <a:off x="4020360" y="4139844"/>
+            <a:ext cx="3336881" cy="276999"/>
+          </a:xfrm>
+          <a:prstGeom prst="rect">
+            <a:avLst/>
+          </a:prstGeom>
+          <a:noFill/>
+        </p:spPr>
+        <p:txBody>
+          <a:bodyPr wrap="square" rtlCol="0">
+            <a:spAutoFit/>
+          </a:bodyPr>
+          <a:lstStyle/>
+          <a:p>
+            <a:r>
+              <a:rPr lang="es-MX" sz="1200" i="1" dirty="0"/>
+              <a:t>Se ocupa para imprimir más hojas por segundo</a:t>
+            </a:r>
+          </a:p>
+        </p:txBody>
+      </p:sp>
+      <p:sp>
+        <p:nvSpPr>
+          <p:cNvPr id="32" name="CuadroTexto 31"/>
+          <p:cNvSpPr txBox="1"/>
+          <p:nvPr/>
+        </p:nvSpPr>
+        <p:spPr>
+          <a:xfrm>
+            <a:off x="4020359" y="5017880"/>
+            <a:ext cx="1269214" cy="276999"/>
+          </a:xfrm>
+          <a:prstGeom prst="rect">
+            <a:avLst/>
+          </a:prstGeom>
+          <a:noFill/>
+        </p:spPr>
+        <p:txBody>
+          <a:bodyPr wrap="square" rtlCol="0">
+            <a:spAutoFit/>
+          </a:bodyPr>
+          <a:lstStyle/>
+          <a:p>
+            <a:r>
+              <a:rPr lang="es-MX" sz="1200" i="1" dirty="0"/>
+              <a:t>Falta</a:t>
+            </a:r>
+          </a:p>
+        </p:txBody>
+      </p:sp>
+    </p:spTree>
+    <p:extLst>
+      <p:ext uri="{BB962C8B-B14F-4D97-AF65-F5344CB8AC3E}">
+        <p14:creationId xmlns:p14="http://schemas.microsoft.com/office/powerpoint/2010/main" val="2519977077"/>
+      </p:ext>
+    </p:extLst>
+  </p:cSld>
+  <p:clrMapOvr>
+    <a:masterClrMapping/>
+  </p:clrMapOvr>
+</p:sld>
+</file>
+
 <file path=ppt/theme/theme1.xml><?xml version="1.0" encoding="utf-8"?>
 <a:theme xmlns:a="http://schemas.openxmlformats.org/drawingml/2006/main" name="Tema de Office">
   <a:themeElements>
